--- a/OnlineSeries/Object-Tracking-Intro.pptx
+++ b/OnlineSeries/Object-Tracking-Intro.pptx
@@ -534,10 +534,6 @@
           </a:bodyPr>
           <a:lstStyle/>
           <a:p>
-            <a:r>
-              <a:rPr lang="en-US" dirty="0" smtClean="0"/>
-              <a:t>Source: http://huro-sift.googlecode.com/svn/trunk/ScreenShoots/sift.png</a:t>
-            </a:r>
             <a:endParaRPr lang="en-US" dirty="0"/>
           </a:p>
         </p:txBody>
@@ -560,7 +556,89 @@
             <a:fld id="{4EAD06E4-F42E-4769-8609-489DA8830FEE}" type="slidenum">
               <a:rPr lang="en-US" smtClean="0"/>
               <a:pPr/>
-              <a:t>9</a:t>
+              <a:t>1</a:t>
+            </a:fld>
+            <a:endParaRPr lang="en-US"/>
+          </a:p>
+        </p:txBody>
+      </p:sp>
+    </p:spTree>
+  </p:cSld>
+  <p:clrMapOvr>
+    <a:masterClrMapping/>
+  </p:clrMapOvr>
+</p:notes>
+</file>
+
+<file path=ppt/notesSlides/notesSlide10.xml><?xml version="1.0" encoding="utf-8"?>
+<p:notes xmlns:a="http://schemas.openxmlformats.org/drawingml/2006/main" xmlns:r="http://schemas.openxmlformats.org/officeDocument/2006/relationships" xmlns:p="http://schemas.openxmlformats.org/presentationml/2006/main">
+  <p:cSld>
+    <p:spTree>
+      <p:nvGrpSpPr>
+        <p:cNvPr id="1" name=""/>
+        <p:cNvGrpSpPr/>
+        <p:nvPr/>
+      </p:nvGrpSpPr>
+      <p:grpSpPr>
+        <a:xfrm>
+          <a:off x="0" y="0"/>
+          <a:ext cx="0" cy="0"/>
+          <a:chOff x="0" y="0"/>
+          <a:chExt cx="0" cy="0"/>
+        </a:xfrm>
+      </p:grpSpPr>
+      <p:sp>
+        <p:nvSpPr>
+          <p:cNvPr id="2" name="Slide Image Placeholder 1"/>
+          <p:cNvSpPr>
+            <a:spLocks noGrp="1" noRot="1" noChangeAspect="1"/>
+          </p:cNvSpPr>
+          <p:nvPr>
+            <p:ph type="sldImg"/>
+          </p:nvPr>
+        </p:nvSpPr>
+        <p:spPr/>
+      </p:sp>
+      <p:sp>
+        <p:nvSpPr>
+          <p:cNvPr id="3" name="Notes Placeholder 2"/>
+          <p:cNvSpPr>
+            <a:spLocks noGrp="1"/>
+          </p:cNvSpPr>
+          <p:nvPr>
+            <p:ph type="body" idx="1"/>
+          </p:nvPr>
+        </p:nvSpPr>
+        <p:spPr/>
+        <p:txBody>
+          <a:bodyPr>
+            <a:normAutofit/>
+          </a:bodyPr>
+          <a:lstStyle/>
+          <a:p>
+            <a:endParaRPr lang="en-US" dirty="0"/>
+          </a:p>
+        </p:txBody>
+      </p:sp>
+      <p:sp>
+        <p:nvSpPr>
+          <p:cNvPr id="4" name="Slide Number Placeholder 3"/>
+          <p:cNvSpPr>
+            <a:spLocks noGrp="1"/>
+          </p:cNvSpPr>
+          <p:nvPr>
+            <p:ph type="sldNum" sz="quarter" idx="10"/>
+          </p:nvPr>
+        </p:nvSpPr>
+        <p:spPr/>
+        <p:txBody>
+          <a:bodyPr/>
+          <a:lstStyle/>
+          <a:p>
+            <a:fld id="{4EAD06E4-F42E-4769-8609-489DA8830FEE}" type="slidenum">
+              <a:rPr lang="en-US" smtClean="0"/>
+              <a:pPr/>
+              <a:t>26</a:t>
             </a:fld>
             <a:endParaRPr lang="en-US"/>
           </a:p>
@@ -622,7 +700,7 @@
           <a:p>
             <a:r>
               <a:rPr lang="en-US" dirty="0" smtClean="0"/>
-              <a:t>https://chrisjmccormick.files.wordpress.com/2013/01/siftmatching.png</a:t>
+              <a:t>Source: http://huro-sift.googlecode.com/svn/trunk/ScreenShoots/sift.png</a:t>
             </a:r>
             <a:endParaRPr lang="en-US" dirty="0"/>
           </a:p>
@@ -646,7 +724,7 @@
             <a:fld id="{4EAD06E4-F42E-4769-8609-489DA8830FEE}" type="slidenum">
               <a:rPr lang="en-US" smtClean="0"/>
               <a:pPr/>
-              <a:t>10</a:t>
+              <a:t>9</a:t>
             </a:fld>
             <a:endParaRPr lang="en-US"/>
           </a:p>
@@ -708,7 +786,7 @@
           <a:p>
             <a:r>
               <a:rPr lang="en-US" dirty="0" smtClean="0"/>
-              <a:t>Source: http://qph.is.quoracdn.net/main-qimg-8558c1b524332fc661dec74c96315f91?convert_to_webp=true</a:t>
+              <a:t>https://chrisjmccormick.files.wordpress.com/2013/01/siftmatching.png</a:t>
             </a:r>
             <a:endParaRPr lang="en-US" dirty="0"/>
           </a:p>
@@ -732,7 +810,7 @@
             <a:fld id="{4EAD06E4-F42E-4769-8609-489DA8830FEE}" type="slidenum">
               <a:rPr lang="en-US" smtClean="0"/>
               <a:pPr/>
-              <a:t>15</a:t>
+              <a:t>10</a:t>
             </a:fld>
             <a:endParaRPr lang="en-US"/>
           </a:p>
@@ -794,7 +872,7 @@
           <a:p>
             <a:r>
               <a:rPr lang="en-US" dirty="0" smtClean="0"/>
-              <a:t>Source: http://www.ijser.org/paper/REAL-TIME-ABANDONED-BAG-DETECTION-USING-OPENCV/Image_015.jpg</a:t>
+              <a:t>Source: http://qph.is.quoracdn.net/main-qimg-8558c1b524332fc661dec74c96315f91?convert_to_webp=true</a:t>
             </a:r>
             <a:endParaRPr lang="en-US" dirty="0"/>
           </a:p>
@@ -818,7 +896,7 @@
             <a:fld id="{4EAD06E4-F42E-4769-8609-489DA8830FEE}" type="slidenum">
               <a:rPr lang="en-US" smtClean="0"/>
               <a:pPr/>
-              <a:t>17</a:t>
+              <a:t>15</a:t>
             </a:fld>
             <a:endParaRPr lang="en-US"/>
           </a:p>
@@ -880,13 +958,7 @@
           <a:p>
             <a:r>
               <a:rPr lang="en-US" dirty="0" smtClean="0"/>
-              <a:t>Source of above statement:</a:t>
-            </a:r>
-          </a:p>
-          <a:p>
-            <a:r>
-              <a:rPr lang="en-US" dirty="0" smtClean="0"/>
-              <a:t>http://link.springer.com/referenceworkentry/10.1007%2F978-3-642-04898-2_321</a:t>
+              <a:t>Source: http://www.ijser.org/paper/REAL-TIME-ABANDONED-BAG-DETECTION-USING-OPENCV/Image_015.jpg</a:t>
             </a:r>
             <a:endParaRPr lang="en-US" dirty="0"/>
           </a:p>
@@ -910,7 +982,7 @@
             <a:fld id="{4EAD06E4-F42E-4769-8609-489DA8830FEE}" type="slidenum">
               <a:rPr lang="en-US" smtClean="0"/>
               <a:pPr/>
-              <a:t>21</a:t>
+              <a:t>17</a:t>
             </a:fld>
             <a:endParaRPr lang="en-US"/>
           </a:p>
@@ -972,8 +1044,15 @@
           <a:p>
             <a:r>
               <a:rPr lang="en-US" dirty="0" smtClean="0"/>
-              <a:t>http://cdn.fieldtechnologies.com/wp-content/uploads/2012/01/gps-satellite-tracking-system.jpg</a:t>
-            </a:r>
+              <a:t>Source of above statement:</a:t>
+            </a:r>
+          </a:p>
+          <a:p>
+            <a:r>
+              <a:rPr lang="en-US" dirty="0" smtClean="0"/>
+              <a:t>http://link.springer.com/referenceworkentry/10.1007%2F978-3-642-04898-2_321</a:t>
+            </a:r>
+            <a:endParaRPr lang="en-US" dirty="0"/>
           </a:p>
         </p:txBody>
       </p:sp>
@@ -995,7 +1074,7 @@
             <a:fld id="{4EAD06E4-F42E-4769-8609-489DA8830FEE}" type="slidenum">
               <a:rPr lang="en-US" smtClean="0"/>
               <a:pPr/>
-              <a:t>23</a:t>
+              <a:t>21</a:t>
             </a:fld>
             <a:endParaRPr lang="en-US"/>
           </a:p>
@@ -1080,7 +1159,7 @@
             <a:fld id="{4EAD06E4-F42E-4769-8609-489DA8830FEE}" type="slidenum">
               <a:rPr lang="en-US" smtClean="0"/>
               <a:pPr/>
-              <a:t>24</a:t>
+              <a:t>23</a:t>
             </a:fld>
             <a:endParaRPr lang="en-US"/>
           </a:p>
@@ -1142,9 +1221,8 @@
           <a:p>
             <a:r>
               <a:rPr lang="en-US" dirty="0" smtClean="0"/>
-              <a:t>https://www.calvin.edu/~pribeiro/courses/engr315/samples/GPS%20Navigation%20with%20Kalman%20Filter%20Integration.ppt</a:t>
-            </a:r>
-            <a:endParaRPr lang="en-US" dirty="0"/>
+              <a:t>http://cdn.fieldtechnologies.com/wp-content/uploads/2012/01/gps-satellite-tracking-system.jpg</a:t>
+            </a:r>
           </a:p>
         </p:txBody>
       </p:sp>
@@ -1166,7 +1244,7 @@
             <a:fld id="{4EAD06E4-F42E-4769-8609-489DA8830FEE}" type="slidenum">
               <a:rPr lang="en-US" smtClean="0"/>
               <a:pPr/>
-              <a:t>25</a:t>
+              <a:t>24</a:t>
             </a:fld>
             <a:endParaRPr lang="en-US"/>
           </a:p>
@@ -1226,6 +1304,10 @@
           </a:bodyPr>
           <a:lstStyle/>
           <a:p>
+            <a:r>
+              <a:rPr lang="en-US" dirty="0" smtClean="0"/>
+              <a:t>https://www.calvin.edu/~pribeiro/courses/engr315/samples/GPS%20Navigation%20with%20Kalman%20Filter%20Integration.ppt</a:t>
+            </a:r>
             <a:endParaRPr lang="en-US" dirty="0"/>
           </a:p>
         </p:txBody>
@@ -1248,7 +1330,7 @@
             <a:fld id="{4EAD06E4-F42E-4769-8609-489DA8830FEE}" type="slidenum">
               <a:rPr lang="en-US" smtClean="0"/>
               <a:pPr/>
-              <a:t>26</a:t>
+              <a:t>25</a:t>
             </a:fld>
             <a:endParaRPr lang="en-US"/>
           </a:p>
@@ -5016,7 +5098,21 @@
                 <a:latin typeface="Times New Roman" pitchFamily="18" charset="0"/>
                 <a:cs typeface="Times New Roman" pitchFamily="18" charset="0"/>
               </a:rPr>
-              <a:t>Arabic Web Series</a:t>
+              <a:t>Arabic </a:t>
+            </a:r>
+            <a:r>
+              <a:rPr lang="en-US" dirty="0" smtClean="0">
+                <a:latin typeface="Times New Roman" pitchFamily="18" charset="0"/>
+                <a:cs typeface="Times New Roman" pitchFamily="18" charset="0"/>
+              </a:rPr>
+              <a:t>Webinar </a:t>
+            </a:r>
+            <a:r>
+              <a:rPr lang="en-US" dirty="0" smtClean="0">
+                <a:latin typeface="Times New Roman" pitchFamily="18" charset="0"/>
+                <a:cs typeface="Times New Roman" pitchFamily="18" charset="0"/>
+              </a:rPr>
+              <a:t>Series</a:t>
             </a:r>
             <a:br>
               <a:rPr lang="en-US" dirty="0" smtClean="0">
@@ -5140,7 +5236,7 @@
           <p:nvPr/>
         </p:nvPicPr>
         <p:blipFill>
-          <a:blip r:embed="rId2" cstate="print"/>
+          <a:blip r:embed="rId3" cstate="print"/>
           <a:srcRect/>
           <a:stretch>
             <a:fillRect/>
@@ -7039,14 +7135,7 @@
                 <a:latin typeface="Times New Roman" pitchFamily="18" charset="0"/>
                 <a:cs typeface="Times New Roman" pitchFamily="18" charset="0"/>
               </a:rPr>
-              <a:t>“</a:t>
-            </a:r>
-            <a:r>
-              <a:rPr lang="en-US" dirty="0" smtClean="0">
-                <a:latin typeface="Times New Roman" pitchFamily="18" charset="0"/>
-                <a:cs typeface="Times New Roman" pitchFamily="18" charset="0"/>
-              </a:rPr>
-              <a:t>Theoretically, a Kalman filter is an </a:t>
+              <a:t>“Theoretically, a Kalman filter is an </a:t>
             </a:r>
             <a:r>
               <a:rPr lang="en-US" b="1" dirty="0" smtClean="0">
@@ -7130,14 +7219,7 @@
                 <a:latin typeface="Times New Roman" pitchFamily="18" charset="0"/>
                 <a:cs typeface="Times New Roman" pitchFamily="18" charset="0"/>
               </a:rPr>
-              <a:t>related to the state, but corrupted by Gaussian white noise. The resulting estimator is statistically optimal with respect to any quadratic function of estimation error. R. E. Kalman introduced the “filter” in 1960 (Kalman 1960</a:t>
-            </a:r>
-            <a:r>
-              <a:rPr lang="en-US" dirty="0" smtClean="0">
-                <a:latin typeface="Times New Roman" pitchFamily="18" charset="0"/>
-                <a:cs typeface="Times New Roman" pitchFamily="18" charset="0"/>
-              </a:rPr>
-              <a:t>).”</a:t>
+              <a:t>related to the state, but corrupted by Gaussian white noise. The resulting estimator is statistically optimal with respect to any quadratic function of estimation error. R. E. Kalman introduced the “filter” in 1960 (Kalman 1960).”</a:t>
             </a:r>
           </a:p>
           <a:p>
@@ -7231,21 +7313,7 @@
                 <a:latin typeface="Times New Roman" pitchFamily="18" charset="0"/>
                 <a:cs typeface="Times New Roman" pitchFamily="18" charset="0"/>
               </a:rPr>
-              <a:t>It </a:t>
-            </a:r>
-            <a:r>
-              <a:rPr lang="en-US" dirty="0" smtClean="0">
-                <a:latin typeface="Times New Roman" pitchFamily="18" charset="0"/>
-                <a:cs typeface="Times New Roman" pitchFamily="18" charset="0"/>
-              </a:rPr>
-              <a:t>tries to model the </a:t>
-            </a:r>
-            <a:r>
-              <a:rPr lang="en-US" dirty="0" smtClean="0">
-                <a:latin typeface="Times New Roman" pitchFamily="18" charset="0"/>
-                <a:cs typeface="Times New Roman" pitchFamily="18" charset="0"/>
-              </a:rPr>
-              <a:t>moving object (</a:t>
+              <a:t>It tries to model the moving object (</a:t>
             </a:r>
             <a:r>
               <a:rPr lang="en-US" b="1" dirty="0" smtClean="0">
@@ -7289,14 +7357,7 @@
                 <a:latin typeface="Times New Roman" pitchFamily="18" charset="0"/>
                 <a:cs typeface="Times New Roman" pitchFamily="18" charset="0"/>
               </a:rPr>
-              <a:t>Controls </a:t>
-            </a:r>
-            <a:r>
-              <a:rPr lang="en-US" dirty="0" smtClean="0">
-                <a:latin typeface="Times New Roman" pitchFamily="18" charset="0"/>
-                <a:cs typeface="Times New Roman" pitchFamily="18" charset="0"/>
-              </a:rPr>
-              <a:t>that affect object (braking force)</a:t>
+              <a:t>Controls that affect object (braking force)</a:t>
             </a:r>
           </a:p>
           <a:p>
@@ -7306,30 +7367,16 @@
                 <a:latin typeface="Times New Roman" pitchFamily="18" charset="0"/>
                 <a:cs typeface="Times New Roman" pitchFamily="18" charset="0"/>
               </a:rPr>
-              <a:t>State transition matrix, control matrix, </a:t>
-            </a:r>
-            <a:r>
-              <a:rPr lang="en-US" dirty="0" smtClean="0">
-                <a:latin typeface="Times New Roman" pitchFamily="18" charset="0"/>
-                <a:cs typeface="Times New Roman" pitchFamily="18" charset="0"/>
-              </a:rPr>
-              <a:t>noise</a:t>
-            </a:r>
-          </a:p>
-          <a:p>
-            <a:r>
-              <a:rPr lang="en-US" dirty="0" smtClean="0">
-                <a:latin typeface="Times New Roman" pitchFamily="18" charset="0"/>
-                <a:cs typeface="Times New Roman" pitchFamily="18" charset="0"/>
-              </a:rPr>
-              <a:t>We </a:t>
-            </a:r>
-            <a:r>
-              <a:rPr lang="en-US" dirty="0" smtClean="0">
-                <a:latin typeface="Times New Roman" pitchFamily="18" charset="0"/>
-                <a:cs typeface="Times New Roman" pitchFamily="18" charset="0"/>
-              </a:rPr>
-              <a:t>have some </a:t>
+              <a:t>State transition matrix, control matrix, noise</a:t>
+            </a:r>
+          </a:p>
+          <a:p>
+            <a:r>
+              <a:rPr lang="en-US" dirty="0" smtClean="0">
+                <a:latin typeface="Times New Roman" pitchFamily="18" charset="0"/>
+                <a:cs typeface="Times New Roman" pitchFamily="18" charset="0"/>
+              </a:rPr>
+              <a:t>We have some </a:t>
             </a:r>
             <a:r>
               <a:rPr lang="en-US" b="1" dirty="0" smtClean="0">
@@ -7357,14 +7404,7 @@
                 <a:latin typeface="Times New Roman" pitchFamily="18" charset="0"/>
                 <a:cs typeface="Times New Roman" pitchFamily="18" charset="0"/>
               </a:rPr>
-              <a:t> kalman model</a:t>
-            </a:r>
-            <a:r>
-              <a:rPr lang="en-US" dirty="0" smtClean="0">
-                <a:latin typeface="Times New Roman" pitchFamily="18" charset="0"/>
-                <a:cs typeface="Times New Roman" pitchFamily="18" charset="0"/>
-              </a:rPr>
-              <a:t>.</a:t>
+              <a:t> kalman model.</a:t>
             </a:r>
           </a:p>
           <a:p>
@@ -7376,10 +7416,6 @@
               </a:rPr>
               <a:t>E.g. Some devise estimating the state</a:t>
             </a:r>
-            <a:endParaRPr lang="en-US" dirty="0" smtClean="0">
-              <a:latin typeface="Times New Roman" pitchFamily="18" charset="0"/>
-              <a:cs typeface="Times New Roman" pitchFamily="18" charset="0"/>
-            </a:endParaRPr>
           </a:p>
           <a:p>
             <a:r>
@@ -7444,14 +7480,7 @@
                 <a:latin typeface="Times New Roman" pitchFamily="18" charset="0"/>
                 <a:cs typeface="Times New Roman" pitchFamily="18" charset="0"/>
               </a:rPr>
-              <a:t>Kalman </a:t>
-            </a:r>
-            <a:r>
-              <a:rPr lang="en-US" dirty="0" smtClean="0">
-                <a:latin typeface="Times New Roman" pitchFamily="18" charset="0"/>
-                <a:cs typeface="Times New Roman" pitchFamily="18" charset="0"/>
-              </a:rPr>
-              <a:t>Filter Example</a:t>
+              <a:t>Kalman Filter Example</a:t>
             </a:r>
             <a:endParaRPr lang="en-US" dirty="0"/>
           </a:p>
@@ -7628,14 +7657,7 @@
                 <a:latin typeface="Times New Roman" pitchFamily="18" charset="0"/>
                 <a:cs typeface="Times New Roman" pitchFamily="18" charset="0"/>
               </a:rPr>
-              <a:t>Kalman </a:t>
-            </a:r>
-            <a:r>
-              <a:rPr lang="en-US" dirty="0" smtClean="0">
-                <a:latin typeface="Times New Roman" pitchFamily="18" charset="0"/>
-                <a:cs typeface="Times New Roman" pitchFamily="18" charset="0"/>
-              </a:rPr>
-              <a:t>Filter Example</a:t>
+              <a:t>Kalman Filter Example</a:t>
             </a:r>
             <a:endParaRPr lang="en-US" dirty="0"/>
           </a:p>
@@ -7713,10 +7735,6 @@
               </a:rPr>
               <a:t>Using Linear model, estimate state</a:t>
             </a:r>
-            <a:endParaRPr lang="en-US" dirty="0" smtClean="0">
-              <a:latin typeface="Times New Roman" pitchFamily="18" charset="0"/>
-              <a:cs typeface="Times New Roman" pitchFamily="18" charset="0"/>
-            </a:endParaRPr>
           </a:p>
           <a:p>
             <a:endParaRPr lang="en-US" b="1" dirty="0" smtClean="0">
@@ -7834,14 +7852,7 @@
                 <a:latin typeface="Times New Roman" pitchFamily="18" charset="0"/>
                 <a:cs typeface="Times New Roman" pitchFamily="18" charset="0"/>
               </a:rPr>
-              <a:t>Kalman </a:t>
-            </a:r>
-            <a:r>
-              <a:rPr lang="en-US" dirty="0" smtClean="0">
-                <a:latin typeface="Times New Roman" pitchFamily="18" charset="0"/>
-                <a:cs typeface="Times New Roman" pitchFamily="18" charset="0"/>
-              </a:rPr>
-              <a:t>Filter Algorithm</a:t>
+              <a:t>Kalman Filter Algorithm</a:t>
             </a:r>
             <a:endParaRPr lang="en-US" dirty="0"/>
           </a:p>
@@ -7849,9 +7860,9 @@
       </p:sp>
       <p:pic>
         <p:nvPicPr>
-          <p:cNvPr id="6" name="Picture 5"/>
+          <p:cNvPr id="6" name="Content Placeholder 5"/>
           <p:cNvPicPr>
-            <a:picLocks noChangeAspect="1" noChangeArrowheads="1"/>
+            <a:picLocks noGrp="1" noChangeAspect="1" noChangeArrowheads="1"/>
           </p:cNvPicPr>
           <p:nvPr>
             <p:ph idx="1"/>
@@ -7923,14 +7934,7 @@
                 <a:latin typeface="Times New Roman" pitchFamily="18" charset="0"/>
                 <a:cs typeface="Times New Roman" pitchFamily="18" charset="0"/>
               </a:rPr>
-              <a:t>Kalman </a:t>
-            </a:r>
-            <a:r>
-              <a:rPr lang="en-US" dirty="0" smtClean="0">
-                <a:latin typeface="Times New Roman" pitchFamily="18" charset="0"/>
-                <a:cs typeface="Times New Roman" pitchFamily="18" charset="0"/>
-              </a:rPr>
-              <a:t>Filter Implementation</a:t>
+              <a:t>Kalman Filter Implementation</a:t>
             </a:r>
             <a:endParaRPr lang="en-US" dirty="0"/>
           </a:p>
@@ -7978,19 +7982,8 @@
                 <a:latin typeface="Times New Roman" pitchFamily="18" charset="0"/>
                 <a:cs typeface="Times New Roman" pitchFamily="18" charset="0"/>
               </a:rPr>
-              <a:t>Matlab / OpenCV provide this </a:t>
-            </a:r>
-            <a:r>
-              <a:rPr lang="en-US" sz="3200" dirty="0" smtClean="0">
-                <a:latin typeface="Times New Roman" pitchFamily="18" charset="0"/>
-                <a:cs typeface="Times New Roman" pitchFamily="18" charset="0"/>
-              </a:rPr>
-              <a:t>framework</a:t>
-            </a:r>
-            <a:endParaRPr lang="en-US" sz="3200" dirty="0" smtClean="0">
-              <a:latin typeface="Times New Roman" pitchFamily="18" charset="0"/>
-              <a:cs typeface="Times New Roman" pitchFamily="18" charset="0"/>
-            </a:endParaRPr>
+              <a:t>Matlab / OpenCV provide this framework</a:t>
+            </a:r>
           </a:p>
           <a:p>
             <a:endParaRPr lang="en-US" dirty="0" smtClean="0">
@@ -8014,19 +8007,8 @@
                 <a:latin typeface="Times New Roman" pitchFamily="18" charset="0"/>
                 <a:cs typeface="Times New Roman" pitchFamily="18" charset="0"/>
               </a:rPr>
-              <a:t>Understand motion </a:t>
-            </a:r>
-            <a:r>
-              <a:rPr lang="en-US" dirty="0" smtClean="0">
-                <a:latin typeface="Times New Roman" pitchFamily="18" charset="0"/>
-                <a:cs typeface="Times New Roman" pitchFamily="18" charset="0"/>
-              </a:rPr>
-              <a:t>equations.</a:t>
-            </a:r>
-            <a:endParaRPr lang="en-US" dirty="0" smtClean="0">
-              <a:latin typeface="Times New Roman" pitchFamily="18" charset="0"/>
-              <a:cs typeface="Times New Roman" pitchFamily="18" charset="0"/>
-            </a:endParaRPr>
+              <a:t>Understand motion equations.</a:t>
+            </a:r>
           </a:p>
           <a:p>
             <a:pPr lvl="1"/>
@@ -8070,10 +8052,6 @@
               </a:rPr>
               <a:t>We may do assumptions (e.g. No relation between state elements, Covariance = 0) for easy impl.</a:t>
             </a:r>
-            <a:endParaRPr lang="en-US" dirty="0" smtClean="0">
-              <a:latin typeface="Times New Roman" pitchFamily="18" charset="0"/>
-              <a:cs typeface="Times New Roman" pitchFamily="18" charset="0"/>
-            </a:endParaRPr>
           </a:p>
           <a:p>
             <a:pPr lvl="1"/>
@@ -8488,6 +8466,13 @@
   <p:clrMapOvr>
     <a:masterClrMapping/>
   </p:clrMapOvr>
+  <p:timing>
+    <p:tnLst>
+      <p:par>
+        <p:cTn id="1" dur="indefinite" restart="never" nodeType="tmRoot"/>
+      </p:par>
+    </p:tnLst>
+  </p:timing>
 </p:sld>
 </file>
 
@@ -8794,6 +8779,13 @@
   <p:clrMapOvr>
     <a:masterClrMapping/>
   </p:clrMapOvr>
+  <p:timing>
+    <p:tnLst>
+      <p:par>
+        <p:cTn id="1" dur="indefinite" restart="never" nodeType="tmRoot"/>
+      </p:par>
+    </p:tnLst>
+  </p:timing>
 </p:sld>
 </file>
 
